--- a/Präsentationen/Projektpräsentation/Projektpräsentation Rift Wingsuit.pptx
+++ b/Präsentationen/Projektpräsentation/Projektpräsentation Rift Wingsuit.pptx
@@ -10,7 +10,7 @@
   <p:sldIdLst>
     <p:sldId id="272" r:id="rId2"/>
     <p:sldId id="261" r:id="rId3"/>
-    <p:sldId id="273" r:id="rId4"/>
+    <p:sldId id="292" r:id="rId4"/>
     <p:sldId id="262" r:id="rId5"/>
     <p:sldId id="260" r:id="rId6"/>
     <p:sldId id="278" r:id="rId7"/>
@@ -4887,7 +4887,7 @@
             <a:pPr lvl="1"/>
             <a:r>
               <a:rPr lang="de-DE" dirty="0" smtClean="0"/>
-              <a:t>WASD, Gamepad, Mouse</a:t>
+              <a:t>Keyboard, Gamepad, Mouse</a:t>
             </a:r>
           </a:p>
           <a:p>
@@ -5066,7 +5066,10 @@
               <a:rPr lang="de-DE" dirty="0" err="1" smtClean="0"/>
               <a:t>Arduino</a:t>
             </a:r>
-            <a:endParaRPr lang="de-DE" dirty="0" smtClean="0"/>
+            <a:r>
+              <a:rPr lang="de-DE" dirty="0" smtClean="0"/>
+              <a:t>, Schnittstelle</a:t>
+            </a:r>
           </a:p>
           <a:p>
             <a:r>
@@ -5989,10 +5992,14 @@
           <a:p>
             <a:pPr algn="ctr"/>
             <a:r>
-              <a:rPr lang="de-DE" sz="2000" dirty="0" smtClean="0"/>
-              <a:t>Support (A = Verantwortlicher, B, C = Support)</a:t>
-            </a:r>
-            <a:endParaRPr lang="de-DE" sz="2000" dirty="0"/>
+              <a:rPr lang="de-DE" dirty="0" smtClean="0"/>
+              <a:t>Support </a:t>
+            </a:r>
+            <a:r>
+              <a:rPr lang="de-DE" sz="3000" dirty="0" smtClean="0"/>
+              <a:t>(A = Verantwortlicher, B, C = Support)</a:t>
+            </a:r>
+            <a:endParaRPr lang="de-DE" sz="3000" dirty="0"/>
           </a:p>
         </p:txBody>
       </p:sp>
@@ -6009,7 +6016,7 @@
         <p:spPr/>
         <p:txBody>
           <a:bodyPr>
-            <a:normAutofit fontScale="70000" lnSpcReduction="20000"/>
+            <a:normAutofit fontScale="77500" lnSpcReduction="20000"/>
           </a:bodyPr>
           <a:lstStyle/>
           <a:p>
@@ -6025,7 +6032,7 @@
           <a:p>
             <a:pPr lvl="1"/>
             <a:r>
-              <a:rPr lang="de-DE" dirty="0" smtClean="0"/>
+              <a:rPr lang="de-DE" sz="2300" dirty="0" smtClean="0"/>
               <a:t>Böhm, Göbel, Dietze</a:t>
             </a:r>
           </a:p>
@@ -6042,7 +6049,7 @@
           <a:p>
             <a:pPr lvl="1"/>
             <a:r>
-              <a:rPr lang="de-DE" dirty="0" smtClean="0"/>
+              <a:rPr lang="de-DE" sz="2300" dirty="0" smtClean="0"/>
               <a:t>Dietze, Böhm, Nickel</a:t>
             </a:r>
           </a:p>
@@ -6055,7 +6062,7 @@
           <a:p>
             <a:pPr lvl="1"/>
             <a:r>
-              <a:rPr lang="de-DE" dirty="0" smtClean="0"/>
+              <a:rPr lang="de-DE" sz="2300" dirty="0" smtClean="0"/>
               <a:t>Nickel</a:t>
             </a:r>
           </a:p>
@@ -6068,7 +6075,7 @@
           <a:p>
             <a:pPr lvl="1"/>
             <a:r>
-              <a:rPr lang="de-DE" dirty="0" smtClean="0"/>
+              <a:rPr lang="de-DE" sz="2300" dirty="0" smtClean="0"/>
               <a:t>Widjaja, Nickel, Dietze</a:t>
             </a:r>
           </a:p>
@@ -6081,20 +6088,20 @@
           <a:p>
             <a:pPr lvl="1"/>
             <a:r>
-              <a:rPr lang="de-DE" dirty="0" smtClean="0"/>
+              <a:rPr lang="de-DE" sz="2300" dirty="0" smtClean="0"/>
               <a:t>Dietze, Böhm, Göbel</a:t>
             </a:r>
           </a:p>
           <a:p>
             <a:r>
-              <a:rPr lang="de-DE" sz="3100" dirty="0" smtClean="0"/>
+              <a:rPr lang="de-DE" dirty="0" smtClean="0"/>
               <a:t>Player-Model</a:t>
             </a:r>
           </a:p>
           <a:p>
             <a:pPr lvl="1"/>
             <a:r>
-              <a:rPr lang="de-DE" dirty="0" smtClean="0"/>
+              <a:rPr lang="de-DE" sz="2300" dirty="0" smtClean="0"/>
               <a:t>Böhm, Göbel</a:t>
             </a:r>
           </a:p>
@@ -6125,19 +6132,19 @@
         <p:spPr/>
         <p:txBody>
           <a:bodyPr>
-            <a:normAutofit fontScale="70000" lnSpcReduction="20000"/>
+            <a:normAutofit fontScale="77500" lnSpcReduction="20000"/>
           </a:bodyPr>
           <a:lstStyle/>
           <a:p>
             <a:r>
-              <a:rPr lang="de-DE" sz="3100" dirty="0" smtClean="0"/>
+              <a:rPr lang="de-DE" dirty="0" smtClean="0"/>
               <a:t>Welt und Ambiente</a:t>
             </a:r>
           </a:p>
           <a:p>
             <a:pPr lvl="1"/>
             <a:r>
-              <a:rPr lang="de-DE" dirty="0" smtClean="0"/>
+              <a:rPr lang="de-DE" sz="2300" dirty="0" smtClean="0"/>
               <a:t>Nickel, alle Mitglieder</a:t>
             </a:r>
           </a:p>
@@ -6150,20 +6157,20 @@
           <a:p>
             <a:pPr lvl="1"/>
             <a:r>
-              <a:rPr lang="de-DE" dirty="0" smtClean="0"/>
+              <a:rPr lang="de-DE" sz="2300" dirty="0" smtClean="0"/>
               <a:t>Nickel, Dietze</a:t>
             </a:r>
           </a:p>
           <a:p>
             <a:r>
-              <a:rPr lang="de-DE" sz="3100" dirty="0" smtClean="0"/>
+              <a:rPr lang="de-DE" dirty="0" smtClean="0"/>
               <a:t>Ventilator</a:t>
             </a:r>
           </a:p>
           <a:p>
             <a:pPr lvl="1"/>
             <a:r>
-              <a:rPr lang="de-DE" dirty="0" smtClean="0"/>
+              <a:rPr lang="de-DE" sz="2300" dirty="0" smtClean="0"/>
               <a:t>Göbel, Dietze, Nickel</a:t>
             </a:r>
           </a:p>
@@ -6176,7 +6183,7 @@
           <a:p>
             <a:pPr lvl="1"/>
             <a:r>
-              <a:rPr lang="de-DE" dirty="0" smtClean="0"/>
+              <a:rPr lang="de-DE" sz="2300" dirty="0" smtClean="0"/>
               <a:t>Böhm, Nickel, Dietze</a:t>
             </a:r>
           </a:p>
@@ -6189,7 +6196,7 @@
           <a:p>
             <a:pPr lvl="1"/>
             <a:r>
-              <a:rPr lang="de-DE" dirty="0" smtClean="0"/>
+              <a:rPr lang="de-DE" sz="2300" dirty="0" smtClean="0"/>
               <a:t>Göbel, Dietze, Böhm</a:t>
             </a:r>
           </a:p>
@@ -6203,7 +6210,7 @@
           <a:p>
             <a:pPr lvl="1"/>
             <a:r>
-              <a:rPr lang="de-DE" dirty="0" smtClean="0"/>
+              <a:rPr lang="de-DE" sz="2300" dirty="0" smtClean="0"/>
               <a:t>Dietze, Nickel, Widjaja</a:t>
             </a:r>
           </a:p>
@@ -9654,7 +9661,7 @@
         <p:spPr>
           <a:xfrm>
             <a:off x="539552" y="1993404"/>
-            <a:ext cx="8064896" cy="2808312"/>
+            <a:ext cx="8064896" cy="3024336"/>
           </a:xfrm>
         </p:spPr>
         <p:txBody>
@@ -9692,7 +9699,27 @@
             </a:r>
             <a:r>
               <a:rPr lang="de-DE" dirty="0" smtClean="0"/>
-              <a:t> Rift HMD in Kombination mit einer </a:t>
+              <a:t> Rift </a:t>
+            </a:r>
+            <a:r>
+              <a:rPr lang="de-DE" dirty="0" err="1" smtClean="0"/>
+              <a:t>head-mounted</a:t>
+            </a:r>
+            <a:r>
+              <a:rPr lang="de-DE" dirty="0" smtClean="0"/>
+              <a:t> </a:t>
+            </a:r>
+            <a:r>
+              <a:rPr lang="de-DE" dirty="0" err="1" smtClean="0"/>
+              <a:t>display</a:t>
+            </a:r>
+            <a:r>
+              <a:rPr lang="de-DE" dirty="0" smtClean="0"/>
+              <a:t> </a:t>
+            </a:r>
+            <a:r>
+              <a:rPr lang="de-DE" dirty="0" smtClean="0"/>
+              <a:t>in Kombination mit einer </a:t>
             </a:r>
             <a:r>
               <a:rPr lang="de-DE" dirty="0" err="1" smtClean="0"/>
